--- a/KIN톡.pptx
+++ b/KIN톡.pptx
@@ -196,7 +196,7 @@
           <a:p>
             <a:fld id="{8491220E-DAA3-41C5-8107-F4E89B49FECB}" type="datetimeFigureOut">
               <a:rPr lang="ko-KR" altLang="en-US" smtClean="0"/>
-              <a:t>2019-07-09</a:t>
+              <a:t>2019-07-12</a:t>
             </a:fld>
             <a:endParaRPr lang="ko-KR" altLang="en-US"/>
           </a:p>
@@ -729,7 +729,7 @@
           <a:p>
             <a:fld id="{FB30EDBD-1C2D-4C1E-B459-B60219FAB484}" type="datetimeFigureOut">
               <a:rPr lang="ko-KR" altLang="en-US" smtClean="0"/>
-              <a:t>2019-07-09</a:t>
+              <a:t>2019-07-12</a:t>
             </a:fld>
             <a:endParaRPr lang="ko-KR" altLang="en-US"/>
           </a:p>
@@ -894,7 +894,7 @@
           <a:p>
             <a:fld id="{FB30EDBD-1C2D-4C1E-B459-B60219FAB484}" type="datetimeFigureOut">
               <a:rPr lang="ko-KR" altLang="en-US" smtClean="0"/>
-              <a:t>2019-07-09</a:t>
+              <a:t>2019-07-12</a:t>
             </a:fld>
             <a:endParaRPr lang="ko-KR" altLang="en-US"/>
           </a:p>
@@ -1069,7 +1069,7 @@
           <a:p>
             <a:fld id="{FB30EDBD-1C2D-4C1E-B459-B60219FAB484}" type="datetimeFigureOut">
               <a:rPr lang="ko-KR" altLang="en-US" smtClean="0"/>
-              <a:t>2019-07-09</a:t>
+              <a:t>2019-07-12</a:t>
             </a:fld>
             <a:endParaRPr lang="ko-KR" altLang="en-US"/>
           </a:p>
@@ -1234,7 +1234,7 @@
           <a:p>
             <a:fld id="{FB30EDBD-1C2D-4C1E-B459-B60219FAB484}" type="datetimeFigureOut">
               <a:rPr lang="ko-KR" altLang="en-US" smtClean="0"/>
-              <a:t>2019-07-09</a:t>
+              <a:t>2019-07-12</a:t>
             </a:fld>
             <a:endParaRPr lang="ko-KR" altLang="en-US"/>
           </a:p>
@@ -1475,7 +1475,7 @@
           <a:p>
             <a:fld id="{FB30EDBD-1C2D-4C1E-B459-B60219FAB484}" type="datetimeFigureOut">
               <a:rPr lang="ko-KR" altLang="en-US" smtClean="0"/>
-              <a:t>2019-07-09</a:t>
+              <a:t>2019-07-12</a:t>
             </a:fld>
             <a:endParaRPr lang="ko-KR" altLang="en-US"/>
           </a:p>
@@ -1758,7 +1758,7 @@
           <a:p>
             <a:fld id="{FB30EDBD-1C2D-4C1E-B459-B60219FAB484}" type="datetimeFigureOut">
               <a:rPr lang="ko-KR" altLang="en-US" smtClean="0"/>
-              <a:t>2019-07-09</a:t>
+              <a:t>2019-07-12</a:t>
             </a:fld>
             <a:endParaRPr lang="ko-KR" altLang="en-US"/>
           </a:p>
@@ -2175,7 +2175,7 @@
           <a:p>
             <a:fld id="{FB30EDBD-1C2D-4C1E-B459-B60219FAB484}" type="datetimeFigureOut">
               <a:rPr lang="ko-KR" altLang="en-US" smtClean="0"/>
-              <a:t>2019-07-09</a:t>
+              <a:t>2019-07-12</a:t>
             </a:fld>
             <a:endParaRPr lang="ko-KR" altLang="en-US"/>
           </a:p>
@@ -2288,7 +2288,7 @@
           <a:p>
             <a:fld id="{FB30EDBD-1C2D-4C1E-B459-B60219FAB484}" type="datetimeFigureOut">
               <a:rPr lang="ko-KR" altLang="en-US" smtClean="0"/>
-              <a:t>2019-07-09</a:t>
+              <a:t>2019-07-12</a:t>
             </a:fld>
             <a:endParaRPr lang="ko-KR" altLang="en-US"/>
           </a:p>
@@ -2378,7 +2378,7 @@
           <a:p>
             <a:fld id="{FB30EDBD-1C2D-4C1E-B459-B60219FAB484}" type="datetimeFigureOut">
               <a:rPr lang="ko-KR" altLang="en-US" smtClean="0"/>
-              <a:t>2019-07-09</a:t>
+              <a:t>2019-07-12</a:t>
             </a:fld>
             <a:endParaRPr lang="ko-KR" altLang="en-US"/>
           </a:p>
@@ -2650,7 +2650,7 @@
           <a:p>
             <a:fld id="{FB30EDBD-1C2D-4C1E-B459-B60219FAB484}" type="datetimeFigureOut">
               <a:rPr lang="ko-KR" altLang="en-US" smtClean="0"/>
-              <a:t>2019-07-09</a:t>
+              <a:t>2019-07-12</a:t>
             </a:fld>
             <a:endParaRPr lang="ko-KR" altLang="en-US"/>
           </a:p>
@@ -2898,7 +2898,7 @@
           <a:p>
             <a:fld id="{FB30EDBD-1C2D-4C1E-B459-B60219FAB484}" type="datetimeFigureOut">
               <a:rPr lang="ko-KR" altLang="en-US" smtClean="0"/>
-              <a:t>2019-07-09</a:t>
+              <a:t>2019-07-12</a:t>
             </a:fld>
             <a:endParaRPr lang="ko-KR" altLang="en-US"/>
           </a:p>
@@ -3106,7 +3106,7 @@
           <a:p>
             <a:fld id="{FB30EDBD-1C2D-4C1E-B459-B60219FAB484}" type="datetimeFigureOut">
               <a:rPr lang="ko-KR" altLang="en-US" smtClean="0"/>
-              <a:t>2019-07-09</a:t>
+              <a:t>2019-07-12</a:t>
             </a:fld>
             <a:endParaRPr lang="ko-KR" altLang="en-US"/>
           </a:p>
@@ -8962,451 +8962,1595 @@
           <a:chExt cx="0" cy="0"/>
         </a:xfrm>
       </p:grpSpPr>
-      <p:graphicFrame>
-        <p:nvGraphicFramePr>
-          <p:cNvPr id="5" name="표 4"/>
-          <p:cNvGraphicFramePr>
-            <a:graphicFrameLocks noGrp="1"/>
-          </p:cNvGraphicFramePr>
-          <p:nvPr>
-            <p:extLst>
-              <p:ext uri="{D42A27DB-BD31-4B8C-83A1-F6EECF244321}">
-                <p14:modId xmlns:p14="http://schemas.microsoft.com/office/powerpoint/2010/main" val="1740436450"/>
-              </p:ext>
-            </p:extLst>
-          </p:nvPr>
-        </p:nvGraphicFramePr>
-        <p:xfrm>
-          <a:off x="107504" y="116632"/>
-          <a:ext cx="8784976" cy="1285240"/>
-        </p:xfrm>
-        <a:graphic>
-          <a:graphicData uri="http://schemas.openxmlformats.org/drawingml/2006/table">
-            <a:tbl>
-              <a:tblPr firstRow="1">
-                <a:tableStyleId>{073A0DAA-6AF3-43AB-8588-CEC1D06C72B9}</a:tableStyleId>
-              </a:tblPr>
-              <a:tblGrid>
-                <a:gridCol w="1872208"/>
-                <a:gridCol w="2088232"/>
-                <a:gridCol w="2016224"/>
-                <a:gridCol w="2808312"/>
-              </a:tblGrid>
-              <a:tr h="370840">
-                <a:tc>
-                  <a:txBody>
-                    <a:bodyPr/>
-                    <a:lstStyle/>
-                    <a:p>
-                      <a:pPr latinLnBrk="1"/>
-                      <a:r>
-                        <a:rPr lang="en-US" altLang="ko-KR" dirty="0" smtClean="0"/>
-                        <a:t>Login</a:t>
-                      </a:r>
-                      <a:endParaRPr lang="ko-KR" altLang="en-US" dirty="0"/>
-                    </a:p>
-                  </a:txBody>
-                  <a:tcPr/>
-                </a:tc>
-                <a:tc>
-                  <a:txBody>
-                    <a:bodyPr/>
-                    <a:lstStyle/>
-                    <a:p>
-                      <a:pPr latinLnBrk="1"/>
-                      <a:r>
-                        <a:rPr lang="en-US" altLang="ko-KR" dirty="0" err="1" smtClean="0"/>
-                        <a:t>WaitRoom</a:t>
-                      </a:r>
-                      <a:endParaRPr lang="ko-KR" altLang="en-US" dirty="0"/>
-                    </a:p>
-                  </a:txBody>
-                  <a:tcPr/>
-                </a:tc>
-                <a:tc>
-                  <a:txBody>
-                    <a:bodyPr/>
-                    <a:lstStyle/>
-                    <a:p>
-                      <a:pPr latinLnBrk="1"/>
-                      <a:r>
-                        <a:rPr lang="en-US" altLang="ko-KR" dirty="0" err="1" smtClean="0"/>
-                        <a:t>MassageRoom</a:t>
-                      </a:r>
-                      <a:endParaRPr lang="ko-KR" altLang="en-US" dirty="0"/>
-                    </a:p>
-                  </a:txBody>
-                  <a:tcPr/>
-                </a:tc>
-                <a:tc>
-                  <a:txBody>
-                    <a:bodyPr/>
-                    <a:lstStyle/>
-                    <a:p>
-                      <a:pPr latinLnBrk="1"/>
-                      <a:r>
-                        <a:rPr lang="en-US" altLang="ko-KR" dirty="0" err="1" smtClean="0"/>
-                        <a:t>FriendList</a:t>
-                      </a:r>
-                      <a:endParaRPr lang="ko-KR" altLang="en-US" dirty="0"/>
-                    </a:p>
-                  </a:txBody>
-                  <a:tcPr/>
-                </a:tc>
-              </a:tr>
-              <a:tr h="370840">
-                <a:tc>
-                  <a:txBody>
-                    <a:bodyPr/>
-                    <a:lstStyle/>
-                    <a:p>
-                      <a:pPr latinLnBrk="1"/>
-                      <a:r>
-                        <a:rPr lang="en-US" altLang="ko-KR" dirty="0" err="1" smtClean="0"/>
-                        <a:t>initDisplay</a:t>
-                      </a:r>
-                      <a:r>
-                        <a:rPr lang="en-US" altLang="ko-KR" dirty="0" smtClean="0"/>
-                        <a:t>()</a:t>
-                      </a:r>
-                    </a:p>
-                  </a:txBody>
-                  <a:tcPr/>
-                </a:tc>
-                <a:tc>
-                  <a:txBody>
-                    <a:bodyPr/>
-                    <a:lstStyle/>
-                    <a:p>
-                      <a:pPr marL="0" marR="0" indent="0" algn="l" defTabSz="914400" rtl="0" eaLnBrk="1" fontAlgn="auto" latinLnBrk="1" hangingPunct="1">
-                        <a:lnSpc>
-                          <a:spcPct val="100000"/>
-                        </a:lnSpc>
-                        <a:spcBef>
-                          <a:spcPts val="0"/>
-                        </a:spcBef>
-                        <a:spcAft>
-                          <a:spcPts val="0"/>
-                        </a:spcAft>
-                        <a:buClrTx/>
-                        <a:buSzTx/>
-                        <a:buFontTx/>
-                        <a:buNone/>
-                        <a:tabLst/>
-                        <a:defRPr/>
-                      </a:pPr>
-                      <a:r>
-                        <a:rPr lang="en-US" altLang="ko-KR" dirty="0" err="1" smtClean="0"/>
-                        <a:t>initDisplay</a:t>
-                      </a:r>
-                      <a:r>
-                        <a:rPr lang="en-US" altLang="ko-KR" dirty="0" smtClean="0"/>
-                        <a:t>()</a:t>
-                      </a:r>
-                    </a:p>
-                    <a:p>
-                      <a:pPr latinLnBrk="1"/>
-                      <a:endParaRPr lang="ko-KR" altLang="en-US" dirty="0"/>
-                    </a:p>
-                  </a:txBody>
-                  <a:tcPr/>
-                </a:tc>
-                <a:tc>
-                  <a:txBody>
-                    <a:bodyPr/>
-                    <a:lstStyle/>
-                    <a:p>
-                      <a:pPr marL="0" marR="0" indent="0" algn="l" defTabSz="914400" rtl="0" eaLnBrk="1" fontAlgn="auto" latinLnBrk="1" hangingPunct="1">
-                        <a:lnSpc>
-                          <a:spcPct val="100000"/>
-                        </a:lnSpc>
-                        <a:spcBef>
-                          <a:spcPts val="0"/>
-                        </a:spcBef>
-                        <a:spcAft>
-                          <a:spcPts val="0"/>
-                        </a:spcAft>
-                        <a:buClrTx/>
-                        <a:buSzTx/>
-                        <a:buFontTx/>
-                        <a:buNone/>
-                        <a:tabLst/>
-                        <a:defRPr/>
-                      </a:pPr>
-                      <a:r>
-                        <a:rPr lang="en-US" altLang="ko-KR" dirty="0" err="1" smtClean="0"/>
-                        <a:t>initDisplay</a:t>
-                      </a:r>
-                      <a:r>
-                        <a:rPr lang="en-US" altLang="ko-KR" dirty="0" smtClean="0"/>
-                        <a:t>()</a:t>
-                      </a:r>
-                    </a:p>
-                    <a:p>
-                      <a:pPr latinLnBrk="1"/>
-                      <a:endParaRPr lang="ko-KR" altLang="en-US" dirty="0"/>
-                    </a:p>
-                  </a:txBody>
-                  <a:tcPr/>
-                </a:tc>
-                <a:tc>
-                  <a:txBody>
-                    <a:bodyPr/>
-                    <a:lstStyle/>
-                    <a:p>
-                      <a:pPr marL="0" marR="0" indent="0" algn="l" defTabSz="914400" rtl="0" eaLnBrk="1" fontAlgn="auto" latinLnBrk="1" hangingPunct="1">
-                        <a:lnSpc>
-                          <a:spcPct val="100000"/>
-                        </a:lnSpc>
-                        <a:spcBef>
-                          <a:spcPts val="0"/>
-                        </a:spcBef>
-                        <a:spcAft>
-                          <a:spcPts val="0"/>
-                        </a:spcAft>
-                        <a:buClrTx/>
-                        <a:buSzTx/>
-                        <a:buFontTx/>
-                        <a:buNone/>
-                        <a:tabLst/>
-                        <a:defRPr/>
-                      </a:pPr>
-                      <a:r>
-                        <a:rPr lang="en-US" altLang="ko-KR" dirty="0" err="1" smtClean="0"/>
-                        <a:t>initDisplay</a:t>
-                      </a:r>
-                      <a:r>
-                        <a:rPr lang="en-US" altLang="ko-KR" dirty="0" smtClean="0"/>
-                        <a:t>()</a:t>
-                      </a:r>
-                    </a:p>
-                    <a:p>
-                      <a:pPr latinLnBrk="1"/>
-                      <a:r>
-                        <a:rPr lang="en-US" altLang="ko-KR" dirty="0" err="1" smtClean="0"/>
-                        <a:t>JOptionPane.inputDialog</a:t>
-                      </a:r>
-                      <a:r>
-                        <a:rPr lang="en-US" altLang="ko-KR" dirty="0" smtClean="0"/>
-                        <a:t>()</a:t>
-                      </a:r>
-                    </a:p>
-                    <a:p>
-                      <a:pPr latinLnBrk="1"/>
-                      <a:r>
-                        <a:rPr lang="en-US" altLang="ko-KR" dirty="0" smtClean="0"/>
-                        <a:t>Delete()</a:t>
-                      </a:r>
-                      <a:endParaRPr lang="ko-KR" altLang="en-US" dirty="0"/>
-                    </a:p>
-                  </a:txBody>
-                  <a:tcPr/>
-                </a:tc>
-              </a:tr>
-            </a:tbl>
-          </a:graphicData>
-        </a:graphic>
-      </p:graphicFrame>
-      <p:graphicFrame>
-        <p:nvGraphicFramePr>
-          <p:cNvPr id="6" name="표 5"/>
-          <p:cNvGraphicFramePr>
-            <a:graphicFrameLocks noGrp="1"/>
-          </p:cNvGraphicFramePr>
-          <p:nvPr>
-            <p:extLst>
-              <p:ext uri="{D42A27DB-BD31-4B8C-83A1-F6EECF244321}">
-                <p14:modId xmlns:p14="http://schemas.microsoft.com/office/powerpoint/2010/main" val="2846033924"/>
-              </p:ext>
-            </p:extLst>
-          </p:nvPr>
-        </p:nvGraphicFramePr>
-        <p:xfrm>
-          <a:off x="107504" y="2780928"/>
-          <a:ext cx="5976664" cy="1010920"/>
-        </p:xfrm>
-        <a:graphic>
-          <a:graphicData uri="http://schemas.openxmlformats.org/drawingml/2006/table">
-            <a:tbl>
-              <a:tblPr firstRow="1" bandRow="1">
-                <a:tableStyleId>{073A0DAA-6AF3-43AB-8588-CEC1D06C72B9}</a:tableStyleId>
-              </a:tblPr>
-              <a:tblGrid>
-                <a:gridCol w="1876171"/>
-                <a:gridCol w="2092198"/>
-                <a:gridCol w="2008295"/>
-              </a:tblGrid>
-              <a:tr h="370840">
-                <a:tc>
-                  <a:txBody>
-                    <a:bodyPr/>
-                    <a:lstStyle/>
-                    <a:p>
-                      <a:pPr latinLnBrk="1"/>
-                      <a:r>
-                        <a:rPr lang="en-US" altLang="ko-KR" dirty="0" err="1" smtClean="0"/>
-                        <a:t>CreateMember</a:t>
-                      </a:r>
-                      <a:endParaRPr lang="ko-KR" altLang="en-US" dirty="0"/>
-                    </a:p>
-                  </a:txBody>
-                  <a:tcPr/>
-                </a:tc>
-                <a:tc>
-                  <a:txBody>
-                    <a:bodyPr/>
-                    <a:lstStyle/>
-                    <a:p>
-                      <a:pPr latinLnBrk="1"/>
-                      <a:r>
-                        <a:rPr lang="en-US" altLang="ko-KR" dirty="0" err="1" smtClean="0"/>
-                        <a:t>CreateChatRoom</a:t>
-                      </a:r>
-                      <a:endParaRPr lang="ko-KR" altLang="en-US" dirty="0"/>
-                    </a:p>
-                  </a:txBody>
-                  <a:tcPr/>
-                </a:tc>
-                <a:tc>
-                  <a:txBody>
-                    <a:bodyPr/>
-                    <a:lstStyle/>
-                    <a:p>
-                      <a:pPr latinLnBrk="1"/>
-                      <a:r>
-                        <a:rPr lang="en-US" altLang="ko-KR" dirty="0" err="1" smtClean="0"/>
-                        <a:t>ChatRoom</a:t>
-                      </a:r>
-                      <a:endParaRPr lang="ko-KR" altLang="en-US" dirty="0"/>
-                    </a:p>
-                  </a:txBody>
-                  <a:tcPr/>
-                </a:tc>
-              </a:tr>
-              <a:tr h="370840">
-                <a:tc>
-                  <a:txBody>
-                    <a:bodyPr/>
-                    <a:lstStyle/>
-                    <a:p>
-                      <a:pPr marL="0" marR="0" indent="0" algn="l" defTabSz="914400" rtl="0" eaLnBrk="1" fontAlgn="auto" latinLnBrk="1" hangingPunct="1">
-                        <a:lnSpc>
-                          <a:spcPct val="100000"/>
-                        </a:lnSpc>
-                        <a:spcBef>
-                          <a:spcPts val="0"/>
-                        </a:spcBef>
-                        <a:spcAft>
-                          <a:spcPts val="0"/>
-                        </a:spcAft>
-                        <a:buClrTx/>
-                        <a:buSzTx/>
-                        <a:buFontTx/>
-                        <a:buNone/>
-                        <a:tabLst/>
-                        <a:defRPr/>
-                      </a:pPr>
-                      <a:r>
-                        <a:rPr lang="en-US" altLang="ko-KR" dirty="0" err="1" smtClean="0"/>
-                        <a:t>initDisplay</a:t>
-                      </a:r>
-                      <a:r>
-                        <a:rPr lang="en-US" altLang="ko-KR" dirty="0" smtClean="0"/>
-                        <a:t>()</a:t>
-                      </a:r>
-                    </a:p>
-                    <a:p>
-                      <a:pPr latinLnBrk="1"/>
-                      <a:endParaRPr lang="ko-KR" altLang="en-US" dirty="0"/>
-                    </a:p>
-                  </a:txBody>
-                  <a:tcPr/>
-                </a:tc>
-                <a:tc>
-                  <a:txBody>
-                    <a:bodyPr/>
-                    <a:lstStyle/>
-                    <a:p>
-                      <a:pPr marL="0" marR="0" indent="0" algn="l" defTabSz="914400" rtl="0" eaLnBrk="1" fontAlgn="auto" latinLnBrk="1" hangingPunct="1">
-                        <a:lnSpc>
-                          <a:spcPct val="100000"/>
-                        </a:lnSpc>
-                        <a:spcBef>
-                          <a:spcPts val="0"/>
-                        </a:spcBef>
-                        <a:spcAft>
-                          <a:spcPts val="0"/>
-                        </a:spcAft>
-                        <a:buClrTx/>
-                        <a:buSzTx/>
-                        <a:buFontTx/>
-                        <a:buNone/>
-                        <a:tabLst/>
-                        <a:defRPr/>
-                      </a:pPr>
-                      <a:r>
-                        <a:rPr lang="en-US" altLang="ko-KR" dirty="0" err="1" smtClean="0"/>
-                        <a:t>initDisplay</a:t>
-                      </a:r>
-                      <a:r>
-                        <a:rPr lang="en-US" altLang="ko-KR" dirty="0" smtClean="0"/>
-                        <a:t>()</a:t>
-                      </a:r>
-                    </a:p>
-                    <a:p>
-                      <a:pPr latinLnBrk="1"/>
-                      <a:endParaRPr lang="ko-KR" altLang="en-US" dirty="0"/>
-                    </a:p>
-                  </a:txBody>
-                  <a:tcPr/>
-                </a:tc>
-                <a:tc>
-                  <a:txBody>
-                    <a:bodyPr/>
-                    <a:lstStyle/>
-                    <a:p>
-                      <a:pPr marL="0" marR="0" indent="0" algn="l" defTabSz="914400" rtl="0" eaLnBrk="1" fontAlgn="auto" latinLnBrk="1" hangingPunct="1">
-                        <a:lnSpc>
-                          <a:spcPct val="100000"/>
-                        </a:lnSpc>
-                        <a:spcBef>
-                          <a:spcPts val="0"/>
-                        </a:spcBef>
-                        <a:spcAft>
-                          <a:spcPts val="0"/>
-                        </a:spcAft>
-                        <a:buClrTx/>
-                        <a:buSzTx/>
-                        <a:buFontTx/>
-                        <a:buNone/>
-                        <a:tabLst/>
-                        <a:defRPr/>
-                      </a:pPr>
-                      <a:r>
-                        <a:rPr lang="en-US" altLang="ko-KR" dirty="0" err="1" smtClean="0"/>
-                        <a:t>initDisplay</a:t>
-                      </a:r>
-                      <a:r>
-                        <a:rPr lang="en-US" altLang="ko-KR" dirty="0" smtClean="0"/>
-                        <a:t>()</a:t>
-                      </a:r>
-                    </a:p>
-                    <a:p>
-                      <a:pPr latinLnBrk="1"/>
-                      <a:endParaRPr lang="ko-KR" altLang="en-US" dirty="0"/>
-                    </a:p>
-                  </a:txBody>
-                  <a:tcPr/>
-                </a:tc>
-              </a:tr>
-            </a:tbl>
-          </a:graphicData>
-        </a:graphic>
-      </p:graphicFrame>
+      <p:sp>
+        <p:nvSpPr>
+          <p:cNvPr id="4" name="직사각형 3"/>
+          <p:cNvSpPr/>
+          <p:nvPr/>
+        </p:nvSpPr>
+        <p:spPr>
+          <a:xfrm>
+            <a:off x="611560" y="1638919"/>
+            <a:ext cx="1152128" cy="432048"/>
+          </a:xfrm>
+          <a:prstGeom prst="rect">
+            <a:avLst/>
+          </a:prstGeom>
+          <a:solidFill>
+            <a:schemeClr val="accent4">
+              <a:lumMod val="60000"/>
+              <a:lumOff val="40000"/>
+            </a:schemeClr>
+          </a:solidFill>
+        </p:spPr>
+        <p:style>
+          <a:lnRef idx="2">
+            <a:schemeClr val="accent1">
+              <a:shade val="50000"/>
+            </a:schemeClr>
+          </a:lnRef>
+          <a:fillRef idx="1">
+            <a:schemeClr val="accent1"/>
+          </a:fillRef>
+          <a:effectRef idx="0">
+            <a:schemeClr val="accent1"/>
+          </a:effectRef>
+          <a:fontRef idx="minor">
+            <a:schemeClr val="lt1"/>
+          </a:fontRef>
+        </p:style>
+        <p:txBody>
+          <a:bodyPr rtlCol="0" anchor="ctr"/>
+          <a:lstStyle/>
+          <a:p>
+            <a:pPr algn="ctr"/>
+            <a:r>
+              <a:rPr lang="en-US" altLang="ko-KR" dirty="0" smtClean="0"/>
+              <a:t>Login</a:t>
+            </a:r>
+            <a:endParaRPr lang="ko-KR" altLang="en-US" dirty="0"/>
+          </a:p>
+        </p:txBody>
+      </p:sp>
+      <p:sp>
+        <p:nvSpPr>
+          <p:cNvPr id="5" name="직사각형 4"/>
+          <p:cNvSpPr/>
+          <p:nvPr/>
+        </p:nvSpPr>
+        <p:spPr>
+          <a:xfrm>
+            <a:off x="2267744" y="1638919"/>
+            <a:ext cx="1728192" cy="2808312"/>
+          </a:xfrm>
+          <a:prstGeom prst="rect">
+            <a:avLst/>
+          </a:prstGeom>
+          <a:solidFill>
+            <a:schemeClr val="accent4">
+              <a:lumMod val="60000"/>
+              <a:lumOff val="40000"/>
+            </a:schemeClr>
+          </a:solidFill>
+        </p:spPr>
+        <p:style>
+          <a:lnRef idx="2">
+            <a:schemeClr val="accent1">
+              <a:shade val="50000"/>
+            </a:schemeClr>
+          </a:lnRef>
+          <a:fillRef idx="1">
+            <a:schemeClr val="accent1"/>
+          </a:fillRef>
+          <a:effectRef idx="0">
+            <a:schemeClr val="accent1"/>
+          </a:effectRef>
+          <a:fontRef idx="minor">
+            <a:schemeClr val="lt1"/>
+          </a:fontRef>
+        </p:style>
+        <p:txBody>
+          <a:bodyPr rtlCol="0" anchor="ctr"/>
+          <a:lstStyle/>
+          <a:p>
+            <a:pPr algn="ctr"/>
+            <a:r>
+              <a:rPr lang="en-US" altLang="ko-KR" dirty="0" smtClean="0"/>
+              <a:t>ClientLogic</a:t>
+            </a:r>
+            <a:endParaRPr lang="ko-KR" altLang="en-US" dirty="0"/>
+          </a:p>
+        </p:txBody>
+      </p:sp>
+      <p:sp>
+        <p:nvSpPr>
+          <p:cNvPr id="6" name="직사각형 5"/>
+          <p:cNvSpPr/>
+          <p:nvPr/>
+        </p:nvSpPr>
+        <p:spPr>
+          <a:xfrm>
+            <a:off x="5135007" y="2935063"/>
+            <a:ext cx="1008112" cy="1296144"/>
+          </a:xfrm>
+          <a:prstGeom prst="rect">
+            <a:avLst/>
+          </a:prstGeom>
+          <a:solidFill>
+            <a:schemeClr val="accent4">
+              <a:lumMod val="60000"/>
+              <a:lumOff val="40000"/>
+            </a:schemeClr>
+          </a:solidFill>
+        </p:spPr>
+        <p:style>
+          <a:lnRef idx="2">
+            <a:schemeClr val="accent1">
+              <a:shade val="50000"/>
+            </a:schemeClr>
+          </a:lnRef>
+          <a:fillRef idx="1">
+            <a:schemeClr val="accent1"/>
+          </a:fillRef>
+          <a:effectRef idx="0">
+            <a:schemeClr val="accent1"/>
+          </a:effectRef>
+          <a:fontRef idx="minor">
+            <a:schemeClr val="lt1"/>
+          </a:fontRef>
+        </p:style>
+        <p:txBody>
+          <a:bodyPr rtlCol="0" anchor="ctr"/>
+          <a:lstStyle/>
+          <a:p>
+            <a:pPr algn="ctr"/>
+            <a:r>
+              <a:rPr lang="en-US" altLang="ko-KR" dirty="0" smtClean="0"/>
+              <a:t>Waiting</a:t>
+            </a:r>
+          </a:p>
+          <a:p>
+            <a:pPr algn="ctr"/>
+            <a:r>
+              <a:rPr lang="en-US" altLang="ko-KR" dirty="0" smtClean="0"/>
+              <a:t>Room</a:t>
+            </a:r>
+            <a:endParaRPr lang="ko-KR" altLang="en-US" dirty="0"/>
+          </a:p>
+        </p:txBody>
+      </p:sp>
+      <p:sp>
+        <p:nvSpPr>
+          <p:cNvPr id="7" name="직사각형 6"/>
+          <p:cNvSpPr/>
+          <p:nvPr/>
+        </p:nvSpPr>
+        <p:spPr>
+          <a:xfrm>
+            <a:off x="6372200" y="2286991"/>
+            <a:ext cx="1008112" cy="1296144"/>
+          </a:xfrm>
+          <a:prstGeom prst="rect">
+            <a:avLst/>
+          </a:prstGeom>
+          <a:solidFill>
+            <a:schemeClr val="accent4">
+              <a:lumMod val="60000"/>
+              <a:lumOff val="40000"/>
+            </a:schemeClr>
+          </a:solidFill>
+        </p:spPr>
+        <p:style>
+          <a:lnRef idx="2">
+            <a:schemeClr val="accent1">
+              <a:shade val="50000"/>
+            </a:schemeClr>
+          </a:lnRef>
+          <a:fillRef idx="1">
+            <a:schemeClr val="accent1"/>
+          </a:fillRef>
+          <a:effectRef idx="0">
+            <a:schemeClr val="accent1"/>
+          </a:effectRef>
+          <a:fontRef idx="minor">
+            <a:schemeClr val="lt1"/>
+          </a:fontRef>
+        </p:style>
+        <p:txBody>
+          <a:bodyPr rtlCol="0" anchor="ctr"/>
+          <a:lstStyle/>
+          <a:p>
+            <a:pPr algn="ctr"/>
+            <a:r>
+              <a:rPr lang="en-US" altLang="ko-KR" dirty="0" smtClean="0"/>
+              <a:t>Chat</a:t>
+            </a:r>
+          </a:p>
+          <a:p>
+            <a:pPr algn="ctr"/>
+            <a:r>
+              <a:rPr lang="en-US" altLang="ko-KR" dirty="0" smtClean="0"/>
+              <a:t>List</a:t>
+            </a:r>
+            <a:endParaRPr lang="ko-KR" altLang="en-US" dirty="0"/>
+          </a:p>
+        </p:txBody>
+      </p:sp>
+      <p:sp>
+        <p:nvSpPr>
+          <p:cNvPr id="8" name="직사각형 7"/>
+          <p:cNvSpPr/>
+          <p:nvPr/>
+        </p:nvSpPr>
+        <p:spPr>
+          <a:xfrm>
+            <a:off x="7668344" y="1638919"/>
+            <a:ext cx="1008112" cy="1296144"/>
+          </a:xfrm>
+          <a:prstGeom prst="rect">
+            <a:avLst/>
+          </a:prstGeom>
+          <a:solidFill>
+            <a:schemeClr val="accent4">
+              <a:lumMod val="60000"/>
+              <a:lumOff val="40000"/>
+            </a:schemeClr>
+          </a:solidFill>
+        </p:spPr>
+        <p:style>
+          <a:lnRef idx="2">
+            <a:schemeClr val="accent1">
+              <a:shade val="50000"/>
+            </a:schemeClr>
+          </a:lnRef>
+          <a:fillRef idx="1">
+            <a:schemeClr val="accent1"/>
+          </a:fillRef>
+          <a:effectRef idx="0">
+            <a:schemeClr val="accent1"/>
+          </a:effectRef>
+          <a:fontRef idx="minor">
+            <a:schemeClr val="lt1"/>
+          </a:fontRef>
+        </p:style>
+        <p:txBody>
+          <a:bodyPr rtlCol="0" anchor="ctr"/>
+          <a:lstStyle/>
+          <a:p>
+            <a:pPr algn="ctr"/>
+            <a:r>
+              <a:rPr lang="en-US" altLang="ko-KR" dirty="0" smtClean="0"/>
+              <a:t>Friend</a:t>
+            </a:r>
+          </a:p>
+          <a:p>
+            <a:pPr algn="ctr"/>
+            <a:r>
+              <a:rPr lang="en-US" altLang="ko-KR" dirty="0" smtClean="0"/>
+              <a:t>List</a:t>
+            </a:r>
+            <a:endParaRPr lang="ko-KR" altLang="en-US" dirty="0"/>
+          </a:p>
+        </p:txBody>
+      </p:sp>
+      <p:sp>
+        <p:nvSpPr>
+          <p:cNvPr id="9" name="직사각형 8"/>
+          <p:cNvSpPr/>
+          <p:nvPr/>
+        </p:nvSpPr>
+        <p:spPr>
+          <a:xfrm>
+            <a:off x="611560" y="2935063"/>
+            <a:ext cx="1152128" cy="936104"/>
+          </a:xfrm>
+          <a:prstGeom prst="rect">
+            <a:avLst/>
+          </a:prstGeom>
+          <a:solidFill>
+            <a:schemeClr val="accent4">
+              <a:lumMod val="75000"/>
+            </a:schemeClr>
+          </a:solidFill>
+        </p:spPr>
+        <p:style>
+          <a:lnRef idx="2">
+            <a:schemeClr val="accent1">
+              <a:shade val="50000"/>
+            </a:schemeClr>
+          </a:lnRef>
+          <a:fillRef idx="1">
+            <a:schemeClr val="accent1"/>
+          </a:fillRef>
+          <a:effectRef idx="0">
+            <a:schemeClr val="accent1"/>
+          </a:effectRef>
+          <a:fontRef idx="minor">
+            <a:schemeClr val="lt1"/>
+          </a:fontRef>
+        </p:style>
+        <p:txBody>
+          <a:bodyPr rtlCol="0" anchor="ctr"/>
+          <a:lstStyle/>
+          <a:p>
+            <a:pPr algn="ctr"/>
+            <a:r>
+              <a:rPr lang="en-US" altLang="ko-KR" dirty="0" smtClean="0"/>
+              <a:t>Create</a:t>
+            </a:r>
+          </a:p>
+          <a:p>
+            <a:pPr algn="ctr"/>
+            <a:r>
+              <a:rPr lang="en-US" altLang="ko-KR" dirty="0" smtClean="0"/>
+              <a:t>Member</a:t>
+            </a:r>
+            <a:endParaRPr lang="ko-KR" altLang="en-US" dirty="0"/>
+          </a:p>
+        </p:txBody>
+      </p:sp>
+      <p:sp>
+        <p:nvSpPr>
+          <p:cNvPr id="10" name="직사각형 9"/>
+          <p:cNvSpPr/>
+          <p:nvPr/>
+        </p:nvSpPr>
+        <p:spPr>
+          <a:xfrm>
+            <a:off x="4860032" y="4735263"/>
+            <a:ext cx="1360152" cy="936104"/>
+          </a:xfrm>
+          <a:prstGeom prst="rect">
+            <a:avLst/>
+          </a:prstGeom>
+          <a:solidFill>
+            <a:schemeClr val="accent4">
+              <a:lumMod val="75000"/>
+            </a:schemeClr>
+          </a:solidFill>
+        </p:spPr>
+        <p:style>
+          <a:lnRef idx="2">
+            <a:schemeClr val="accent1">
+              <a:shade val="50000"/>
+            </a:schemeClr>
+          </a:lnRef>
+          <a:fillRef idx="1">
+            <a:schemeClr val="accent1"/>
+          </a:fillRef>
+          <a:effectRef idx="0">
+            <a:schemeClr val="accent1"/>
+          </a:effectRef>
+          <a:fontRef idx="minor">
+            <a:schemeClr val="lt1"/>
+          </a:fontRef>
+        </p:style>
+        <p:txBody>
+          <a:bodyPr rtlCol="0" anchor="ctr"/>
+          <a:lstStyle/>
+          <a:p>
+            <a:pPr algn="ctr"/>
+            <a:r>
+              <a:rPr lang="en-US" altLang="ko-KR" dirty="0" smtClean="0"/>
+              <a:t>Create</a:t>
+            </a:r>
+          </a:p>
+          <a:p>
+            <a:pPr algn="ctr"/>
+            <a:r>
+              <a:rPr lang="en-US" altLang="ko-KR" dirty="0" smtClean="0"/>
+              <a:t>Chat</a:t>
+            </a:r>
+          </a:p>
+          <a:p>
+            <a:pPr algn="ctr"/>
+            <a:r>
+              <a:rPr lang="en-US" altLang="ko-KR" dirty="0" smtClean="0"/>
+              <a:t>Room</a:t>
+            </a:r>
+            <a:endParaRPr lang="ko-KR" altLang="en-US" dirty="0"/>
+          </a:p>
+        </p:txBody>
+      </p:sp>
+      <p:sp>
+        <p:nvSpPr>
+          <p:cNvPr id="11" name="직사각형 10"/>
+          <p:cNvSpPr/>
+          <p:nvPr/>
+        </p:nvSpPr>
+        <p:spPr>
+          <a:xfrm>
+            <a:off x="6373028" y="4717583"/>
+            <a:ext cx="1152128" cy="936104"/>
+          </a:xfrm>
+          <a:prstGeom prst="rect">
+            <a:avLst/>
+          </a:prstGeom>
+          <a:solidFill>
+            <a:schemeClr val="accent4">
+              <a:lumMod val="60000"/>
+              <a:lumOff val="40000"/>
+            </a:schemeClr>
+          </a:solidFill>
+        </p:spPr>
+        <p:style>
+          <a:lnRef idx="2">
+            <a:schemeClr val="accent1">
+              <a:shade val="50000"/>
+            </a:schemeClr>
+          </a:lnRef>
+          <a:fillRef idx="1">
+            <a:schemeClr val="accent1"/>
+          </a:fillRef>
+          <a:effectRef idx="0">
+            <a:schemeClr val="accent1"/>
+          </a:effectRef>
+          <a:fontRef idx="minor">
+            <a:schemeClr val="lt1"/>
+          </a:fontRef>
+        </p:style>
+        <p:txBody>
+          <a:bodyPr rtlCol="0" anchor="ctr"/>
+          <a:lstStyle/>
+          <a:p>
+            <a:pPr algn="ctr"/>
+            <a:r>
+              <a:rPr lang="en-US" altLang="ko-KR" dirty="0" smtClean="0"/>
+              <a:t>Chat</a:t>
+            </a:r>
+          </a:p>
+          <a:p>
+            <a:pPr algn="ctr"/>
+            <a:r>
+              <a:rPr lang="en-US" altLang="ko-KR" dirty="0" smtClean="0"/>
+              <a:t>Room</a:t>
+            </a:r>
+            <a:endParaRPr lang="ko-KR" altLang="en-US" dirty="0"/>
+          </a:p>
+        </p:txBody>
+      </p:sp>
+      <p:sp>
+        <p:nvSpPr>
+          <p:cNvPr id="12" name="직사각형 11"/>
+          <p:cNvSpPr/>
+          <p:nvPr/>
+        </p:nvSpPr>
+        <p:spPr>
+          <a:xfrm>
+            <a:off x="7668344" y="4717583"/>
+            <a:ext cx="1152128" cy="936104"/>
+          </a:xfrm>
+          <a:prstGeom prst="rect">
+            <a:avLst/>
+          </a:prstGeom>
+          <a:solidFill>
+            <a:schemeClr val="accent4">
+              <a:lumMod val="75000"/>
+            </a:schemeClr>
+          </a:solidFill>
+        </p:spPr>
+        <p:style>
+          <a:lnRef idx="2">
+            <a:schemeClr val="accent1">
+              <a:shade val="50000"/>
+            </a:schemeClr>
+          </a:lnRef>
+          <a:fillRef idx="1">
+            <a:schemeClr val="accent1"/>
+          </a:fillRef>
+          <a:effectRef idx="0">
+            <a:schemeClr val="accent1"/>
+          </a:effectRef>
+          <a:fontRef idx="minor">
+            <a:schemeClr val="lt1"/>
+          </a:fontRef>
+        </p:style>
+        <p:txBody>
+          <a:bodyPr rtlCol="0" anchor="ctr"/>
+          <a:lstStyle/>
+          <a:p>
+            <a:pPr algn="ctr"/>
+            <a:r>
+              <a:rPr lang="en-US" altLang="ko-KR" dirty="0" smtClean="0"/>
+              <a:t>Create</a:t>
+            </a:r>
+          </a:p>
+          <a:p>
+            <a:pPr algn="ctr"/>
+            <a:r>
+              <a:rPr lang="en-US" altLang="ko-KR" dirty="0" smtClean="0"/>
+              <a:t>Friend</a:t>
+            </a:r>
+            <a:endParaRPr lang="ko-KR" altLang="en-US" dirty="0"/>
+          </a:p>
+        </p:txBody>
+      </p:sp>
+      <p:sp>
+        <p:nvSpPr>
+          <p:cNvPr id="13" name="직사각형 12"/>
+          <p:cNvSpPr/>
+          <p:nvPr/>
+        </p:nvSpPr>
+        <p:spPr>
+          <a:xfrm>
+            <a:off x="395536" y="4315747"/>
+            <a:ext cx="1368152" cy="337389"/>
+          </a:xfrm>
+          <a:prstGeom prst="rect">
+            <a:avLst/>
+          </a:prstGeom>
+          <a:solidFill>
+            <a:schemeClr val="tx2">
+              <a:lumMod val="60000"/>
+              <a:lumOff val="40000"/>
+            </a:schemeClr>
+          </a:solidFill>
+        </p:spPr>
+        <p:style>
+          <a:lnRef idx="2">
+            <a:schemeClr val="accent1">
+              <a:shade val="50000"/>
+            </a:schemeClr>
+          </a:lnRef>
+          <a:fillRef idx="1">
+            <a:schemeClr val="accent1"/>
+          </a:fillRef>
+          <a:effectRef idx="0">
+            <a:schemeClr val="accent1"/>
+          </a:effectRef>
+          <a:fontRef idx="minor">
+            <a:schemeClr val="lt1"/>
+          </a:fontRef>
+        </p:style>
+        <p:txBody>
+          <a:bodyPr rtlCol="0" anchor="ctr"/>
+          <a:lstStyle/>
+          <a:p>
+            <a:pPr algn="ctr"/>
+            <a:r>
+              <a:rPr lang="en-US" altLang="ko-KR" dirty="0" smtClean="0"/>
+              <a:t>Protocol</a:t>
+            </a:r>
+            <a:endParaRPr lang="ko-KR" altLang="en-US" dirty="0"/>
+          </a:p>
+        </p:txBody>
+      </p:sp>
+      <p:sp>
+        <p:nvSpPr>
+          <p:cNvPr id="14" name="직사각형 13"/>
+          <p:cNvSpPr/>
+          <p:nvPr/>
+        </p:nvSpPr>
+        <p:spPr>
+          <a:xfrm>
+            <a:off x="395536" y="4753675"/>
+            <a:ext cx="1368152" cy="337389"/>
+          </a:xfrm>
+          <a:prstGeom prst="rect">
+            <a:avLst/>
+          </a:prstGeom>
+          <a:solidFill>
+            <a:schemeClr val="accent4">
+              <a:lumMod val="60000"/>
+              <a:lumOff val="40000"/>
+            </a:schemeClr>
+          </a:solidFill>
+        </p:spPr>
+        <p:style>
+          <a:lnRef idx="2">
+            <a:schemeClr val="accent1">
+              <a:shade val="50000"/>
+            </a:schemeClr>
+          </a:lnRef>
+          <a:fillRef idx="1">
+            <a:schemeClr val="accent1"/>
+          </a:fillRef>
+          <a:effectRef idx="0">
+            <a:schemeClr val="accent1"/>
+          </a:effectRef>
+          <a:fontRef idx="minor">
+            <a:schemeClr val="lt1"/>
+          </a:fontRef>
+        </p:style>
+        <p:txBody>
+          <a:bodyPr rtlCol="0" anchor="ctr"/>
+          <a:lstStyle/>
+          <a:p>
+            <a:pPr algn="ctr"/>
+            <a:r>
+              <a:rPr lang="en-US" altLang="ko-KR" dirty="0" smtClean="0"/>
+              <a:t>Emoticon</a:t>
+            </a:r>
+            <a:endParaRPr lang="ko-KR" altLang="en-US" dirty="0"/>
+          </a:p>
+        </p:txBody>
+      </p:sp>
+      <p:sp>
+        <p:nvSpPr>
+          <p:cNvPr id="15" name="직사각형 14"/>
+          <p:cNvSpPr/>
+          <p:nvPr/>
+        </p:nvSpPr>
+        <p:spPr>
+          <a:xfrm>
+            <a:off x="2645786" y="332656"/>
+            <a:ext cx="972108" cy="648072"/>
+          </a:xfrm>
+          <a:prstGeom prst="rect">
+            <a:avLst/>
+          </a:prstGeom>
+          <a:solidFill>
+            <a:schemeClr val="tx1">
+              <a:lumMod val="50000"/>
+              <a:lumOff val="50000"/>
+            </a:schemeClr>
+          </a:solidFill>
+        </p:spPr>
+        <p:style>
+          <a:lnRef idx="2">
+            <a:schemeClr val="accent1">
+              <a:shade val="50000"/>
+            </a:schemeClr>
+          </a:lnRef>
+          <a:fillRef idx="1">
+            <a:schemeClr val="accent1"/>
+          </a:fillRef>
+          <a:effectRef idx="0">
+            <a:schemeClr val="accent1"/>
+          </a:effectRef>
+          <a:fontRef idx="minor">
+            <a:schemeClr val="lt1"/>
+          </a:fontRef>
+        </p:style>
+        <p:txBody>
+          <a:bodyPr rtlCol="0" anchor="ctr"/>
+          <a:lstStyle/>
+          <a:p>
+            <a:pPr algn="ctr"/>
+            <a:r>
+              <a:rPr lang="en-US" altLang="ko-KR" dirty="0" err="1" smtClean="0"/>
+              <a:t>KINTalk</a:t>
+            </a:r>
+            <a:endParaRPr lang="en-US" altLang="ko-KR" dirty="0" smtClean="0"/>
+          </a:p>
+          <a:p>
+            <a:pPr algn="ctr"/>
+            <a:r>
+              <a:rPr lang="en-US" altLang="ko-KR" dirty="0" smtClean="0"/>
+              <a:t>Dao</a:t>
+            </a:r>
+            <a:endParaRPr lang="ko-KR" altLang="en-US" dirty="0"/>
+          </a:p>
+        </p:txBody>
+      </p:sp>
+      <p:sp>
+        <p:nvSpPr>
+          <p:cNvPr id="16" name="직사각형 15"/>
+          <p:cNvSpPr/>
+          <p:nvPr/>
+        </p:nvSpPr>
+        <p:spPr>
+          <a:xfrm>
+            <a:off x="7164288" y="332656"/>
+            <a:ext cx="1512168" cy="494201"/>
+          </a:xfrm>
+          <a:prstGeom prst="rect">
+            <a:avLst/>
+          </a:prstGeom>
+          <a:solidFill>
+            <a:schemeClr val="tx1">
+              <a:lumMod val="50000"/>
+              <a:lumOff val="50000"/>
+            </a:schemeClr>
+          </a:solidFill>
+        </p:spPr>
+        <p:style>
+          <a:lnRef idx="2">
+            <a:schemeClr val="accent1">
+              <a:shade val="50000"/>
+            </a:schemeClr>
+          </a:lnRef>
+          <a:fillRef idx="1">
+            <a:schemeClr val="accent1"/>
+          </a:fillRef>
+          <a:effectRef idx="0">
+            <a:schemeClr val="accent1"/>
+          </a:effectRef>
+          <a:fontRef idx="minor">
+            <a:schemeClr val="lt1"/>
+          </a:fontRef>
+        </p:style>
+        <p:txBody>
+          <a:bodyPr rtlCol="0" anchor="ctr"/>
+          <a:lstStyle/>
+          <a:p>
+            <a:pPr algn="ctr"/>
+            <a:r>
+              <a:rPr lang="en-US" altLang="ko-KR" dirty="0" err="1" smtClean="0"/>
+              <a:t>MemberVO</a:t>
+            </a:r>
+            <a:endParaRPr lang="ko-KR" altLang="en-US" dirty="0"/>
+          </a:p>
+        </p:txBody>
+      </p:sp>
+      <p:sp>
+        <p:nvSpPr>
+          <p:cNvPr id="17" name="직사각형 16"/>
+          <p:cNvSpPr/>
+          <p:nvPr/>
+        </p:nvSpPr>
+        <p:spPr>
+          <a:xfrm>
+            <a:off x="5253224" y="660466"/>
+            <a:ext cx="1512168" cy="494201"/>
+          </a:xfrm>
+          <a:prstGeom prst="rect">
+            <a:avLst/>
+          </a:prstGeom>
+          <a:solidFill>
+            <a:schemeClr val="tx1">
+              <a:lumMod val="50000"/>
+              <a:lumOff val="50000"/>
+            </a:schemeClr>
+          </a:solidFill>
+        </p:spPr>
+        <p:style>
+          <a:lnRef idx="2">
+            <a:schemeClr val="accent1">
+              <a:shade val="50000"/>
+            </a:schemeClr>
+          </a:lnRef>
+          <a:fillRef idx="1">
+            <a:schemeClr val="accent1"/>
+          </a:fillRef>
+          <a:effectRef idx="0">
+            <a:schemeClr val="accent1"/>
+          </a:effectRef>
+          <a:fontRef idx="minor">
+            <a:schemeClr val="lt1"/>
+          </a:fontRef>
+        </p:style>
+        <p:txBody>
+          <a:bodyPr rtlCol="0" anchor="ctr"/>
+          <a:lstStyle/>
+          <a:p>
+            <a:pPr algn="ctr"/>
+            <a:r>
+              <a:rPr lang="en-US" altLang="ko-KR" dirty="0" err="1" smtClean="0"/>
+              <a:t>RoomVO</a:t>
+            </a:r>
+            <a:endParaRPr lang="ko-KR" altLang="en-US" dirty="0"/>
+          </a:p>
+        </p:txBody>
+      </p:sp>
+      <p:sp>
+        <p:nvSpPr>
+          <p:cNvPr id="18" name="직사각형 17"/>
+          <p:cNvSpPr/>
+          <p:nvPr/>
+        </p:nvSpPr>
+        <p:spPr>
+          <a:xfrm>
+            <a:off x="1187624" y="5915226"/>
+            <a:ext cx="1237193" cy="481757"/>
+          </a:xfrm>
+          <a:prstGeom prst="rect">
+            <a:avLst/>
+          </a:prstGeom>
+          <a:solidFill>
+            <a:schemeClr val="accent2">
+              <a:lumMod val="75000"/>
+            </a:schemeClr>
+          </a:solidFill>
+        </p:spPr>
+        <p:style>
+          <a:lnRef idx="2">
+            <a:schemeClr val="accent1">
+              <a:shade val="50000"/>
+            </a:schemeClr>
+          </a:lnRef>
+          <a:fillRef idx="1">
+            <a:schemeClr val="accent1"/>
+          </a:fillRef>
+          <a:effectRef idx="0">
+            <a:schemeClr val="accent1"/>
+          </a:effectRef>
+          <a:fontRef idx="minor">
+            <a:schemeClr val="lt1"/>
+          </a:fontRef>
+        </p:style>
+        <p:txBody>
+          <a:bodyPr rtlCol="0" anchor="ctr"/>
+          <a:lstStyle/>
+          <a:p>
+            <a:pPr algn="ctr"/>
+            <a:r>
+              <a:rPr lang="en-US" altLang="ko-KR" dirty="0" smtClean="0"/>
+              <a:t>Server</a:t>
+            </a:r>
+            <a:endParaRPr lang="ko-KR" altLang="en-US" dirty="0"/>
+          </a:p>
+        </p:txBody>
+      </p:sp>
+      <p:cxnSp>
+        <p:nvCxnSpPr>
+          <p:cNvPr id="22" name="직선 화살표 연결선 21"/>
+          <p:cNvCxnSpPr/>
+          <p:nvPr/>
+        </p:nvCxnSpPr>
+        <p:spPr>
+          <a:xfrm>
+            <a:off x="5540108" y="4231207"/>
+            <a:ext cx="22" cy="504056"/>
+          </a:xfrm>
+          <a:prstGeom prst="straightConnector1">
+            <a:avLst/>
+          </a:prstGeom>
+          <a:ln>
+            <a:tailEnd type="arrow"/>
+          </a:ln>
+        </p:spPr>
+        <p:style>
+          <a:lnRef idx="1">
+            <a:schemeClr val="accent1"/>
+          </a:lnRef>
+          <a:fillRef idx="0">
+            <a:schemeClr val="accent1"/>
+          </a:fillRef>
+          <a:effectRef idx="0">
+            <a:schemeClr val="accent1"/>
+          </a:effectRef>
+          <a:fontRef idx="minor">
+            <a:schemeClr val="tx1"/>
+          </a:fontRef>
+        </p:style>
+      </p:cxnSp>
+      <p:sp>
+        <p:nvSpPr>
+          <p:cNvPr id="25" name="TextBox 24"/>
+          <p:cNvSpPr txBox="1"/>
+          <p:nvPr/>
+        </p:nvSpPr>
+        <p:spPr>
+          <a:xfrm>
+            <a:off x="7641262" y="4447230"/>
+            <a:ext cx="1206292" cy="276999"/>
+          </a:xfrm>
+          <a:prstGeom prst="rect">
+            <a:avLst/>
+          </a:prstGeom>
+          <a:noFill/>
+        </p:spPr>
+        <p:txBody>
+          <a:bodyPr wrap="none" rtlCol="0">
+            <a:spAutoFit/>
+          </a:bodyPr>
+          <a:lstStyle/>
+          <a:p>
+            <a:r>
+              <a:rPr lang="en-US" altLang="ko-KR" sz="1200" b="1" dirty="0" err="1"/>
+              <a:t>JDesktopPane</a:t>
+            </a:r>
+            <a:endParaRPr lang="ko-KR" altLang="en-US" sz="1200" b="1" dirty="0"/>
+          </a:p>
+        </p:txBody>
+      </p:sp>
+      <p:cxnSp>
+        <p:nvCxnSpPr>
+          <p:cNvPr id="29" name="직선 화살표 연결선 28"/>
+          <p:cNvCxnSpPr>
+            <a:stCxn id="7" idx="2"/>
+          </p:cNvCxnSpPr>
+          <p:nvPr/>
+        </p:nvCxnSpPr>
+        <p:spPr>
+          <a:xfrm>
+            <a:off x="6876256" y="3583135"/>
+            <a:ext cx="0" cy="1224136"/>
+          </a:xfrm>
+          <a:prstGeom prst="straightConnector1">
+            <a:avLst/>
+          </a:prstGeom>
+          <a:ln>
+            <a:tailEnd type="arrow"/>
+          </a:ln>
+        </p:spPr>
+        <p:style>
+          <a:lnRef idx="1">
+            <a:schemeClr val="accent1"/>
+          </a:lnRef>
+          <a:fillRef idx="0">
+            <a:schemeClr val="accent1"/>
+          </a:fillRef>
+          <a:effectRef idx="0">
+            <a:schemeClr val="accent1"/>
+          </a:effectRef>
+          <a:fontRef idx="minor">
+            <a:schemeClr val="tx1"/>
+          </a:fontRef>
+        </p:style>
+      </p:cxnSp>
+      <p:cxnSp>
+        <p:nvCxnSpPr>
+          <p:cNvPr id="31" name="직선 화살표 연결선 30"/>
+          <p:cNvCxnSpPr>
+            <a:stCxn id="8" idx="2"/>
+          </p:cNvCxnSpPr>
+          <p:nvPr/>
+        </p:nvCxnSpPr>
+        <p:spPr>
+          <a:xfrm>
+            <a:off x="8172400" y="2935063"/>
+            <a:ext cx="0" cy="1800200"/>
+          </a:xfrm>
+          <a:prstGeom prst="straightConnector1">
+            <a:avLst/>
+          </a:prstGeom>
+          <a:ln>
+            <a:tailEnd type="arrow"/>
+          </a:ln>
+        </p:spPr>
+        <p:style>
+          <a:lnRef idx="1">
+            <a:schemeClr val="accent1"/>
+          </a:lnRef>
+          <a:fillRef idx="0">
+            <a:schemeClr val="accent1"/>
+          </a:fillRef>
+          <a:effectRef idx="0">
+            <a:schemeClr val="accent1"/>
+          </a:effectRef>
+          <a:fontRef idx="minor">
+            <a:schemeClr val="tx1"/>
+          </a:fontRef>
+        </p:style>
+      </p:cxnSp>
+      <p:cxnSp>
+        <p:nvCxnSpPr>
+          <p:cNvPr id="33" name="직선 화살표 연결선 32"/>
+          <p:cNvCxnSpPr>
+            <a:stCxn id="4" idx="2"/>
+            <a:endCxn id="9" idx="0"/>
+          </p:cNvCxnSpPr>
+          <p:nvPr/>
+        </p:nvCxnSpPr>
+        <p:spPr>
+          <a:xfrm>
+            <a:off x="1187624" y="2070967"/>
+            <a:ext cx="0" cy="864096"/>
+          </a:xfrm>
+          <a:prstGeom prst="straightConnector1">
+            <a:avLst/>
+          </a:prstGeom>
+          <a:ln>
+            <a:tailEnd type="arrow"/>
+          </a:ln>
+        </p:spPr>
+        <p:style>
+          <a:lnRef idx="1">
+            <a:schemeClr val="accent1"/>
+          </a:lnRef>
+          <a:fillRef idx="0">
+            <a:schemeClr val="accent1"/>
+          </a:fillRef>
+          <a:effectRef idx="0">
+            <a:schemeClr val="accent1"/>
+          </a:effectRef>
+          <a:fontRef idx="minor">
+            <a:schemeClr val="tx1"/>
+          </a:fontRef>
+        </p:style>
+      </p:cxnSp>
+      <p:sp>
+        <p:nvSpPr>
+          <p:cNvPr id="34" name="TextBox 33"/>
+          <p:cNvSpPr txBox="1"/>
+          <p:nvPr/>
+        </p:nvSpPr>
+        <p:spPr>
+          <a:xfrm>
+            <a:off x="557396" y="2645188"/>
+            <a:ext cx="1206292" cy="276999"/>
+          </a:xfrm>
+          <a:prstGeom prst="rect">
+            <a:avLst/>
+          </a:prstGeom>
+          <a:noFill/>
+        </p:spPr>
+        <p:txBody>
+          <a:bodyPr wrap="none" rtlCol="0">
+            <a:spAutoFit/>
+          </a:bodyPr>
+          <a:lstStyle/>
+          <a:p>
+            <a:r>
+              <a:rPr lang="en-US" altLang="ko-KR" sz="1200" b="1" dirty="0" err="1"/>
+              <a:t>JDesktopPane</a:t>
+            </a:r>
+            <a:endParaRPr lang="ko-KR" altLang="en-US" sz="1200" b="1" dirty="0"/>
+          </a:p>
+        </p:txBody>
+      </p:sp>
+      <p:cxnSp>
+        <p:nvCxnSpPr>
+          <p:cNvPr id="37" name="직선 화살표 연결선 36"/>
+          <p:cNvCxnSpPr>
+            <a:stCxn id="4" idx="3"/>
+          </p:cNvCxnSpPr>
+          <p:nvPr/>
+        </p:nvCxnSpPr>
+        <p:spPr>
+          <a:xfrm>
+            <a:off x="1763688" y="1854943"/>
+            <a:ext cx="504056" cy="0"/>
+          </a:xfrm>
+          <a:prstGeom prst="straightConnector1">
+            <a:avLst/>
+          </a:prstGeom>
+          <a:ln>
+            <a:tailEnd type="arrow"/>
+          </a:ln>
+        </p:spPr>
+        <p:style>
+          <a:lnRef idx="1">
+            <a:schemeClr val="accent1"/>
+          </a:lnRef>
+          <a:fillRef idx="0">
+            <a:schemeClr val="accent1"/>
+          </a:fillRef>
+          <a:effectRef idx="0">
+            <a:schemeClr val="accent1"/>
+          </a:effectRef>
+          <a:fontRef idx="minor">
+            <a:schemeClr val="tx1"/>
+          </a:fontRef>
+        </p:style>
+      </p:cxnSp>
+      <p:cxnSp>
+        <p:nvCxnSpPr>
+          <p:cNvPr id="40" name="직선 연결선 39"/>
+          <p:cNvCxnSpPr/>
+          <p:nvPr/>
+        </p:nvCxnSpPr>
+        <p:spPr>
+          <a:xfrm>
+            <a:off x="3995936" y="1926951"/>
+            <a:ext cx="3672408" cy="0"/>
+          </a:xfrm>
+          <a:prstGeom prst="line">
+            <a:avLst/>
+          </a:prstGeom>
+        </p:spPr>
+        <p:style>
+          <a:lnRef idx="1">
+            <a:schemeClr val="accent1"/>
+          </a:lnRef>
+          <a:fillRef idx="0">
+            <a:schemeClr val="accent1"/>
+          </a:fillRef>
+          <a:effectRef idx="0">
+            <a:schemeClr val="accent1"/>
+          </a:effectRef>
+          <a:fontRef idx="minor">
+            <a:schemeClr val="tx1"/>
+          </a:fontRef>
+        </p:style>
+      </p:cxnSp>
+      <p:cxnSp>
+        <p:nvCxnSpPr>
+          <p:cNvPr id="42" name="직선 연결선 41"/>
+          <p:cNvCxnSpPr/>
+          <p:nvPr/>
+        </p:nvCxnSpPr>
+        <p:spPr>
+          <a:xfrm>
+            <a:off x="3995936" y="2506688"/>
+            <a:ext cx="2376264" cy="0"/>
+          </a:xfrm>
+          <a:prstGeom prst="line">
+            <a:avLst/>
+          </a:prstGeom>
+        </p:spPr>
+        <p:style>
+          <a:lnRef idx="1">
+            <a:schemeClr val="accent1"/>
+          </a:lnRef>
+          <a:fillRef idx="0">
+            <a:schemeClr val="accent1"/>
+          </a:fillRef>
+          <a:effectRef idx="0">
+            <a:schemeClr val="accent1"/>
+          </a:effectRef>
+          <a:fontRef idx="minor">
+            <a:schemeClr val="tx1"/>
+          </a:fontRef>
+        </p:style>
+      </p:cxnSp>
+      <p:cxnSp>
+        <p:nvCxnSpPr>
+          <p:cNvPr id="44" name="직선 연결선 43"/>
+          <p:cNvCxnSpPr/>
+          <p:nvPr/>
+        </p:nvCxnSpPr>
+        <p:spPr>
+          <a:xfrm>
+            <a:off x="3995936" y="3511127"/>
+            <a:ext cx="1188132" cy="0"/>
+          </a:xfrm>
+          <a:prstGeom prst="line">
+            <a:avLst/>
+          </a:prstGeom>
+        </p:spPr>
+        <p:style>
+          <a:lnRef idx="1">
+            <a:schemeClr val="accent1"/>
+          </a:lnRef>
+          <a:fillRef idx="0">
+            <a:schemeClr val="accent1"/>
+          </a:fillRef>
+          <a:effectRef idx="0">
+            <a:schemeClr val="accent1"/>
+          </a:effectRef>
+          <a:fontRef idx="minor">
+            <a:schemeClr val="tx1"/>
+          </a:fontRef>
+        </p:style>
+      </p:cxnSp>
+      <p:cxnSp>
+        <p:nvCxnSpPr>
+          <p:cNvPr id="48" name="직선 화살표 연결선 47"/>
+          <p:cNvCxnSpPr>
+            <a:stCxn id="15" idx="2"/>
+            <a:endCxn id="5" idx="0"/>
+          </p:cNvCxnSpPr>
+          <p:nvPr/>
+        </p:nvCxnSpPr>
+        <p:spPr>
+          <a:xfrm>
+            <a:off x="3131840" y="980728"/>
+            <a:ext cx="0" cy="658191"/>
+          </a:xfrm>
+          <a:prstGeom prst="straightConnector1">
+            <a:avLst/>
+          </a:prstGeom>
+          <a:ln>
+            <a:tailEnd type="arrow"/>
+          </a:ln>
+        </p:spPr>
+        <p:style>
+          <a:lnRef idx="1">
+            <a:schemeClr val="accent1"/>
+          </a:lnRef>
+          <a:fillRef idx="0">
+            <a:schemeClr val="accent1"/>
+          </a:fillRef>
+          <a:effectRef idx="0">
+            <a:schemeClr val="accent1"/>
+          </a:effectRef>
+          <a:fontRef idx="minor">
+            <a:schemeClr val="tx1"/>
+          </a:fontRef>
+        </p:style>
+      </p:cxnSp>
+      <p:cxnSp>
+        <p:nvCxnSpPr>
+          <p:cNvPr id="50" name="직선 연결선 49"/>
+          <p:cNvCxnSpPr/>
+          <p:nvPr/>
+        </p:nvCxnSpPr>
+        <p:spPr>
+          <a:xfrm>
+            <a:off x="3617894" y="476672"/>
+            <a:ext cx="3546394" cy="0"/>
+          </a:xfrm>
+          <a:prstGeom prst="line">
+            <a:avLst/>
+          </a:prstGeom>
+        </p:spPr>
+        <p:style>
+          <a:lnRef idx="1">
+            <a:schemeClr val="accent1"/>
+          </a:lnRef>
+          <a:fillRef idx="0">
+            <a:schemeClr val="accent1"/>
+          </a:fillRef>
+          <a:effectRef idx="0">
+            <a:schemeClr val="accent1"/>
+          </a:effectRef>
+          <a:fontRef idx="minor">
+            <a:schemeClr val="tx1"/>
+          </a:fontRef>
+        </p:style>
+      </p:cxnSp>
+      <p:cxnSp>
+        <p:nvCxnSpPr>
+          <p:cNvPr id="52" name="직선 연결선 51"/>
+          <p:cNvCxnSpPr/>
+          <p:nvPr/>
+        </p:nvCxnSpPr>
+        <p:spPr>
+          <a:xfrm>
+            <a:off x="3617894" y="826857"/>
+            <a:ext cx="1602178" cy="0"/>
+          </a:xfrm>
+          <a:prstGeom prst="line">
+            <a:avLst/>
+          </a:prstGeom>
+        </p:spPr>
+        <p:style>
+          <a:lnRef idx="1">
+            <a:schemeClr val="accent1"/>
+          </a:lnRef>
+          <a:fillRef idx="0">
+            <a:schemeClr val="accent1"/>
+          </a:fillRef>
+          <a:effectRef idx="0">
+            <a:schemeClr val="accent1"/>
+          </a:effectRef>
+          <a:fontRef idx="minor">
+            <a:schemeClr val="tx1"/>
+          </a:fontRef>
+        </p:style>
+      </p:cxnSp>
+      <p:cxnSp>
+        <p:nvCxnSpPr>
+          <p:cNvPr id="54" name="직선 화살표 연결선 53"/>
+          <p:cNvCxnSpPr/>
+          <p:nvPr/>
+        </p:nvCxnSpPr>
+        <p:spPr>
+          <a:xfrm>
+            <a:off x="8124151" y="826857"/>
+            <a:ext cx="0" cy="812062"/>
+          </a:xfrm>
+          <a:prstGeom prst="straightConnector1">
+            <a:avLst/>
+          </a:prstGeom>
+          <a:ln>
+            <a:tailEnd type="arrow"/>
+          </a:ln>
+        </p:spPr>
+        <p:style>
+          <a:lnRef idx="1">
+            <a:schemeClr val="accent1"/>
+          </a:lnRef>
+          <a:fillRef idx="0">
+            <a:schemeClr val="accent1"/>
+          </a:fillRef>
+          <a:effectRef idx="0">
+            <a:schemeClr val="accent1"/>
+          </a:effectRef>
+          <a:fontRef idx="minor">
+            <a:schemeClr val="tx1"/>
+          </a:fontRef>
+        </p:style>
+      </p:cxnSp>
+      <p:cxnSp>
+        <p:nvCxnSpPr>
+          <p:cNvPr id="56" name="직선 화살표 연결선 55"/>
+          <p:cNvCxnSpPr/>
+          <p:nvPr/>
+        </p:nvCxnSpPr>
+        <p:spPr>
+          <a:xfrm>
+            <a:off x="5724128" y="1154667"/>
+            <a:ext cx="0" cy="1780396"/>
+          </a:xfrm>
+          <a:prstGeom prst="straightConnector1">
+            <a:avLst/>
+          </a:prstGeom>
+          <a:ln>
+            <a:tailEnd type="arrow"/>
+          </a:ln>
+        </p:spPr>
+        <p:style>
+          <a:lnRef idx="1">
+            <a:schemeClr val="accent1"/>
+          </a:lnRef>
+          <a:fillRef idx="0">
+            <a:schemeClr val="accent1"/>
+          </a:fillRef>
+          <a:effectRef idx="0">
+            <a:schemeClr val="accent1"/>
+          </a:effectRef>
+          <a:fontRef idx="minor">
+            <a:schemeClr val="tx1"/>
+          </a:fontRef>
+        </p:style>
+      </p:cxnSp>
+      <p:cxnSp>
+        <p:nvCxnSpPr>
+          <p:cNvPr id="58" name="직선 화살표 연결선 57"/>
+          <p:cNvCxnSpPr/>
+          <p:nvPr/>
+        </p:nvCxnSpPr>
+        <p:spPr>
+          <a:xfrm>
+            <a:off x="6516216" y="1154667"/>
+            <a:ext cx="0" cy="1132324"/>
+          </a:xfrm>
+          <a:prstGeom prst="straightConnector1">
+            <a:avLst/>
+          </a:prstGeom>
+          <a:ln>
+            <a:tailEnd type="arrow"/>
+          </a:ln>
+        </p:spPr>
+        <p:style>
+          <a:lnRef idx="1">
+            <a:schemeClr val="accent1"/>
+          </a:lnRef>
+          <a:fillRef idx="0">
+            <a:schemeClr val="accent1"/>
+          </a:fillRef>
+          <a:effectRef idx="0">
+            <a:schemeClr val="accent1"/>
+          </a:effectRef>
+          <a:fontRef idx="minor">
+            <a:schemeClr val="tx1"/>
+          </a:fontRef>
+        </p:style>
+      </p:cxnSp>
+      <p:sp>
+        <p:nvSpPr>
+          <p:cNvPr id="59" name="TextBox 58"/>
+          <p:cNvSpPr txBox="1"/>
+          <p:nvPr/>
+        </p:nvSpPr>
+        <p:spPr>
+          <a:xfrm>
+            <a:off x="5013892" y="4447231"/>
+            <a:ext cx="1206292" cy="276999"/>
+          </a:xfrm>
+          <a:prstGeom prst="rect">
+            <a:avLst/>
+          </a:prstGeom>
+          <a:noFill/>
+        </p:spPr>
+        <p:txBody>
+          <a:bodyPr wrap="none" rtlCol="0">
+            <a:spAutoFit/>
+          </a:bodyPr>
+          <a:lstStyle/>
+          <a:p>
+            <a:r>
+              <a:rPr lang="en-US" altLang="ko-KR" sz="1200" b="1" dirty="0" err="1"/>
+              <a:t>JDesktopPane</a:t>
+            </a:r>
+            <a:endParaRPr lang="ko-KR" altLang="en-US" sz="1200" b="1" dirty="0"/>
+          </a:p>
+        </p:txBody>
+      </p:sp>
+      <p:sp>
+        <p:nvSpPr>
+          <p:cNvPr id="60" name="원통 59"/>
+          <p:cNvSpPr/>
+          <p:nvPr/>
+        </p:nvSpPr>
+        <p:spPr>
+          <a:xfrm>
+            <a:off x="3283479" y="5835230"/>
+            <a:ext cx="1296144" cy="781969"/>
+          </a:xfrm>
+          <a:prstGeom prst="can">
+            <a:avLst/>
+          </a:prstGeom>
+          <a:solidFill>
+            <a:schemeClr val="accent2">
+              <a:lumMod val="75000"/>
+            </a:schemeClr>
+          </a:solidFill>
+        </p:spPr>
+        <p:style>
+          <a:lnRef idx="2">
+            <a:schemeClr val="accent1">
+              <a:shade val="50000"/>
+            </a:schemeClr>
+          </a:lnRef>
+          <a:fillRef idx="1">
+            <a:schemeClr val="accent1"/>
+          </a:fillRef>
+          <a:effectRef idx="0">
+            <a:schemeClr val="accent1"/>
+          </a:effectRef>
+          <a:fontRef idx="minor">
+            <a:schemeClr val="lt1"/>
+          </a:fontRef>
+        </p:style>
+        <p:txBody>
+          <a:bodyPr rtlCol="0" anchor="ctr"/>
+          <a:lstStyle/>
+          <a:p>
+            <a:pPr algn="ctr"/>
+            <a:r>
+              <a:rPr lang="en-US" altLang="ko-KR" dirty="0" smtClean="0"/>
+              <a:t>Server</a:t>
+            </a:r>
+          </a:p>
+          <a:p>
+            <a:pPr algn="ctr"/>
+            <a:r>
+              <a:rPr lang="en-US" altLang="ko-KR" dirty="0" smtClean="0"/>
+              <a:t>Thread</a:t>
+            </a:r>
+            <a:endParaRPr lang="ko-KR" altLang="en-US" dirty="0"/>
+          </a:p>
+        </p:txBody>
+      </p:sp>
+      <p:sp>
+        <p:nvSpPr>
+          <p:cNvPr id="61" name="원통 60"/>
+          <p:cNvSpPr/>
+          <p:nvPr/>
+        </p:nvSpPr>
+        <p:spPr>
+          <a:xfrm>
+            <a:off x="1997714" y="4871718"/>
+            <a:ext cx="1296144" cy="781969"/>
+          </a:xfrm>
+          <a:prstGeom prst="can">
+            <a:avLst/>
+          </a:prstGeom>
+          <a:solidFill>
+            <a:schemeClr val="tx2">
+              <a:lumMod val="60000"/>
+              <a:lumOff val="40000"/>
+            </a:schemeClr>
+          </a:solidFill>
+        </p:spPr>
+        <p:style>
+          <a:lnRef idx="2">
+            <a:schemeClr val="accent1">
+              <a:shade val="50000"/>
+            </a:schemeClr>
+          </a:lnRef>
+          <a:fillRef idx="1">
+            <a:schemeClr val="accent1"/>
+          </a:fillRef>
+          <a:effectRef idx="0">
+            <a:schemeClr val="accent1"/>
+          </a:effectRef>
+          <a:fontRef idx="minor">
+            <a:schemeClr val="lt1"/>
+          </a:fontRef>
+        </p:style>
+        <p:txBody>
+          <a:bodyPr rtlCol="0" anchor="ctr"/>
+          <a:lstStyle/>
+          <a:p>
+            <a:pPr algn="ctr"/>
+            <a:endParaRPr lang="en-US" altLang="ko-KR" dirty="0" smtClean="0"/>
+          </a:p>
+          <a:p>
+            <a:pPr algn="ctr"/>
+            <a:r>
+              <a:rPr lang="en-US" altLang="ko-KR" dirty="0" smtClean="0"/>
+              <a:t>Client</a:t>
+            </a:r>
+          </a:p>
+          <a:p>
+            <a:pPr algn="ctr"/>
+            <a:r>
+              <a:rPr lang="en-US" altLang="ko-KR" dirty="0" smtClean="0"/>
+              <a:t>Thread</a:t>
+            </a:r>
+          </a:p>
+          <a:p>
+            <a:pPr algn="ctr"/>
+            <a:endParaRPr lang="ko-KR" altLang="en-US" dirty="0"/>
+          </a:p>
+        </p:txBody>
+      </p:sp>
+      <p:cxnSp>
+        <p:nvCxnSpPr>
+          <p:cNvPr id="63" name="직선 화살표 연결선 62"/>
+          <p:cNvCxnSpPr>
+            <a:stCxn id="18" idx="3"/>
+          </p:cNvCxnSpPr>
+          <p:nvPr/>
+        </p:nvCxnSpPr>
+        <p:spPr>
+          <a:xfrm>
+            <a:off x="2424817" y="6156105"/>
+            <a:ext cx="858662" cy="0"/>
+          </a:xfrm>
+          <a:prstGeom prst="straightConnector1">
+            <a:avLst/>
+          </a:prstGeom>
+          <a:ln>
+            <a:headEnd type="arrow"/>
+            <a:tailEnd type="arrow"/>
+          </a:ln>
+        </p:spPr>
+        <p:style>
+          <a:lnRef idx="1">
+            <a:schemeClr val="accent1"/>
+          </a:lnRef>
+          <a:fillRef idx="0">
+            <a:schemeClr val="accent1"/>
+          </a:fillRef>
+          <a:effectRef idx="0">
+            <a:schemeClr val="accent1"/>
+          </a:effectRef>
+          <a:fontRef idx="minor">
+            <a:schemeClr val="tx1"/>
+          </a:fontRef>
+        </p:style>
+      </p:cxnSp>
+      <p:cxnSp>
+        <p:nvCxnSpPr>
+          <p:cNvPr id="66" name="직선 화살표 연결선 65"/>
+          <p:cNvCxnSpPr/>
+          <p:nvPr/>
+        </p:nvCxnSpPr>
+        <p:spPr>
+          <a:xfrm>
+            <a:off x="2854148" y="4447231"/>
+            <a:ext cx="0" cy="424487"/>
+          </a:xfrm>
+          <a:prstGeom prst="straightConnector1">
+            <a:avLst/>
+          </a:prstGeom>
+          <a:ln>
+            <a:headEnd type="arrow"/>
+            <a:tailEnd type="arrow"/>
+          </a:ln>
+        </p:spPr>
+        <p:style>
+          <a:lnRef idx="1">
+            <a:schemeClr val="accent1"/>
+          </a:lnRef>
+          <a:fillRef idx="0">
+            <a:schemeClr val="accent1"/>
+          </a:fillRef>
+          <a:effectRef idx="0">
+            <a:schemeClr val="accent1"/>
+          </a:effectRef>
+          <a:fontRef idx="minor">
+            <a:schemeClr val="tx1"/>
+          </a:fontRef>
+        </p:style>
+      </p:cxnSp>
+      <p:cxnSp>
+        <p:nvCxnSpPr>
+          <p:cNvPr id="68" name="꺾인 연결선 67"/>
+          <p:cNvCxnSpPr>
+            <a:stCxn id="61" idx="4"/>
+          </p:cNvCxnSpPr>
+          <p:nvPr/>
+        </p:nvCxnSpPr>
+        <p:spPr>
+          <a:xfrm>
+            <a:off x="3293858" y="5262703"/>
+            <a:ext cx="486054" cy="572527"/>
+          </a:xfrm>
+          <a:prstGeom prst="bentConnector2">
+            <a:avLst/>
+          </a:prstGeom>
+          <a:ln>
+            <a:headEnd type="arrow"/>
+            <a:tailEnd type="arrow"/>
+          </a:ln>
+        </p:spPr>
+        <p:style>
+          <a:lnRef idx="1">
+            <a:schemeClr val="accent1"/>
+          </a:lnRef>
+          <a:fillRef idx="0">
+            <a:schemeClr val="accent1"/>
+          </a:fillRef>
+          <a:effectRef idx="0">
+            <a:schemeClr val="accent1"/>
+          </a:effectRef>
+          <a:fontRef idx="minor">
+            <a:schemeClr val="tx1"/>
+          </a:fontRef>
+        </p:style>
+      </p:cxnSp>
     </p:spTree>
     <p:extLst>
       <p:ext uri="{BB962C8B-B14F-4D97-AF65-F5344CB8AC3E}">
-        <p14:creationId xmlns:p14="http://schemas.microsoft.com/office/powerpoint/2010/main" val="677639671"/>
+        <p14:creationId xmlns:p14="http://schemas.microsoft.com/office/powerpoint/2010/main" val="2939324235"/>
       </p:ext>
     </p:extLst>
   </p:cSld>
